--- a/敬拜的心.pptx
+++ b/敬拜的心.pptx
@@ -5,10 +5,15 @@
     <p:sldMasterId id="2147483677" r:id="rId1"/>
   </p:sldMasterIdLst>
   <p:sldIdLst>
-    <p:sldId id="256" r:id="rId2"/>
-    <p:sldId id="257" r:id="rId3"/>
-    <p:sldId id="258" r:id="rId4"/>
-    <p:sldId id="259" r:id="rId5"/>
+    <p:sldId id="260" r:id="rId2"/>
+    <p:sldId id="261" r:id="rId3"/>
+    <p:sldId id="262" r:id="rId4"/>
+    <p:sldId id="263" r:id="rId5"/>
+    <p:sldId id="264" r:id="rId6"/>
+    <p:sldId id="265" r:id="rId7"/>
+    <p:sldId id="266" r:id="rId8"/>
+    <p:sldId id="267" r:id="rId9"/>
+    <p:sldId id="268" r:id="rId10"/>
   </p:sldIdLst>
   <p:sldSz cx="12192000" cy="6858000"/>
   <p:notesSz cx="6858000" cy="9144000"/>
@@ -307,7 +312,7 @@
           <a:p>
             <a:fld id="{1B6B0C8F-3A90-407A-8C03-10ABFA47D879}" type="datetimeFigureOut">
               <a:rPr lang="zh-TW" altLang="en-US" smtClean="0"/>
-              <a:t>2020/6/6</a:t>
+              <a:t>2022/6/9</a:t>
             </a:fld>
             <a:endParaRPr lang="zh-TW" altLang="en-US"/>
           </a:p>
@@ -477,7 +482,7 @@
           <a:p>
             <a:fld id="{1B6B0C8F-3A90-407A-8C03-10ABFA47D879}" type="datetimeFigureOut">
               <a:rPr lang="zh-TW" altLang="en-US" smtClean="0"/>
-              <a:t>2020/6/6</a:t>
+              <a:t>2022/6/9</a:t>
             </a:fld>
             <a:endParaRPr lang="zh-TW" altLang="en-US"/>
           </a:p>
@@ -657,7 +662,7 @@
           <a:p>
             <a:fld id="{1B6B0C8F-3A90-407A-8C03-10ABFA47D879}" type="datetimeFigureOut">
               <a:rPr lang="zh-TW" altLang="en-US" smtClean="0"/>
-              <a:t>2020/6/6</a:t>
+              <a:t>2022/6/9</a:t>
             </a:fld>
             <a:endParaRPr lang="zh-TW" altLang="en-US"/>
           </a:p>
@@ -827,7 +832,7 @@
           <a:p>
             <a:fld id="{1B6B0C8F-3A90-407A-8C03-10ABFA47D879}" type="datetimeFigureOut">
               <a:rPr lang="zh-TW" altLang="en-US" smtClean="0"/>
-              <a:t>2020/6/6</a:t>
+              <a:t>2022/6/9</a:t>
             </a:fld>
             <a:endParaRPr lang="zh-TW" altLang="en-US"/>
           </a:p>
@@ -1073,7 +1078,7 @@
           <a:p>
             <a:fld id="{1B6B0C8F-3A90-407A-8C03-10ABFA47D879}" type="datetimeFigureOut">
               <a:rPr lang="zh-TW" altLang="en-US" smtClean="0"/>
-              <a:t>2020/6/6</a:t>
+              <a:t>2022/6/9</a:t>
             </a:fld>
             <a:endParaRPr lang="zh-TW" altLang="en-US"/>
           </a:p>
@@ -1361,7 +1366,7 @@
           <a:p>
             <a:fld id="{1B6B0C8F-3A90-407A-8C03-10ABFA47D879}" type="datetimeFigureOut">
               <a:rPr lang="zh-TW" altLang="en-US" smtClean="0"/>
-              <a:t>2020/6/6</a:t>
+              <a:t>2022/6/9</a:t>
             </a:fld>
             <a:endParaRPr lang="zh-TW" altLang="en-US"/>
           </a:p>
@@ -1783,7 +1788,7 @@
           <a:p>
             <a:fld id="{1B6B0C8F-3A90-407A-8C03-10ABFA47D879}" type="datetimeFigureOut">
               <a:rPr lang="zh-TW" altLang="en-US" smtClean="0"/>
-              <a:t>2020/6/6</a:t>
+              <a:t>2022/6/9</a:t>
             </a:fld>
             <a:endParaRPr lang="zh-TW" altLang="en-US"/>
           </a:p>
@@ -1901,7 +1906,7 @@
           <a:p>
             <a:fld id="{1B6B0C8F-3A90-407A-8C03-10ABFA47D879}" type="datetimeFigureOut">
               <a:rPr lang="zh-TW" altLang="en-US" smtClean="0"/>
-              <a:t>2020/6/6</a:t>
+              <a:t>2022/6/9</a:t>
             </a:fld>
             <a:endParaRPr lang="zh-TW" altLang="en-US"/>
           </a:p>
@@ -1996,7 +2001,7 @@
           <a:p>
             <a:fld id="{1B6B0C8F-3A90-407A-8C03-10ABFA47D879}" type="datetimeFigureOut">
               <a:rPr lang="zh-TW" altLang="en-US" smtClean="0"/>
-              <a:t>2020/6/6</a:t>
+              <a:t>2022/6/9</a:t>
             </a:fld>
             <a:endParaRPr lang="zh-TW" altLang="en-US"/>
           </a:p>
@@ -2273,7 +2278,7 @@
           <a:p>
             <a:fld id="{1B6B0C8F-3A90-407A-8C03-10ABFA47D879}" type="datetimeFigureOut">
               <a:rPr lang="zh-TW" altLang="en-US" smtClean="0"/>
-              <a:t>2020/6/6</a:t>
+              <a:t>2022/6/9</a:t>
             </a:fld>
             <a:endParaRPr lang="zh-TW" altLang="en-US"/>
           </a:p>
@@ -2530,7 +2535,7 @@
           <a:p>
             <a:fld id="{1B6B0C8F-3A90-407A-8C03-10ABFA47D879}" type="datetimeFigureOut">
               <a:rPr lang="zh-TW" altLang="en-US" smtClean="0"/>
-              <a:t>2020/6/6</a:t>
+              <a:t>2022/6/9</a:t>
             </a:fld>
             <a:endParaRPr lang="zh-TW" altLang="en-US"/>
           </a:p>
@@ -2748,7 +2753,7 @@
           <a:p>
             <a:fld id="{1B6B0C8F-3A90-407A-8C03-10ABFA47D879}" type="datetimeFigureOut">
               <a:rPr lang="zh-TW" altLang="en-US" smtClean="0"/>
-              <a:t>2020/6/6</a:t>
+              <a:t>2022/6/9</a:t>
             </a:fld>
             <a:endParaRPr lang="zh-TW" altLang="en-US"/>
           </a:p>
@@ -3133,177 +3138,61 @@
             <p:ph type="title"/>
           </p:nvPr>
         </p:nvSpPr>
-        <p:spPr/>
-        <p:txBody>
-          <a:bodyPr>
-            <a:normAutofit/>
-          </a:bodyPr>
-          <a:lstStyle/>
-          <a:p>
-            <a:r>
-              <a:rPr lang="zh-TW" altLang="en-US" sz="4800" b="1" dirty="0">
-                <a:latin typeface="Microsoft JhengHei" panose="020B0604030504040204" pitchFamily="34" charset="-120"/>
-                <a:ea typeface="Microsoft JhengHei" panose="020B0604030504040204" pitchFamily="34" charset="-120"/>
-              </a:rPr>
-              <a:t>敬拜的心</a:t>
-            </a:r>
-          </a:p>
-        </p:txBody>
-      </p:sp>
-      <p:sp>
-        <p:nvSpPr>
-          <p:cNvPr id="5" name="內容版面配置區 4"/>
-          <p:cNvSpPr>
-            <a:spLocks noGrp="1"/>
-          </p:cNvSpPr>
-          <p:nvPr>
-            <p:ph idx="1"/>
-          </p:nvPr>
-        </p:nvSpPr>
         <p:spPr>
           <a:xfrm>
-            <a:off x="1524000" y="1600201"/>
-            <a:ext cx="9144000" cy="4525963"/>
+            <a:off x="0" y="2660915"/>
+            <a:ext cx="12192000" cy="1143000"/>
           </a:xfrm>
         </p:spPr>
         <p:txBody>
           <a:bodyPr>
-            <a:normAutofit/>
+            <a:noAutofit/>
           </a:bodyPr>
           <a:lstStyle/>
           <a:p>
-            <a:pPr algn="ctr">
-              <a:buNone/>
-            </a:pPr>
-            <a:r>
-              <a:rPr lang="zh-TW" altLang="en-US" sz="5400" b="1" dirty="0">
-                <a:latin typeface="Microsoft JhengHei" panose="020B0604030504040204" pitchFamily="34" charset="-120"/>
-                <a:ea typeface="Microsoft JhengHei" panose="020B0604030504040204" pitchFamily="34" charset="-120"/>
-              </a:rPr>
-              <a:t>我獻上一顆敬拜的</a:t>
-            </a:r>
-            <a:r>
-              <a:rPr lang="zh-TW" altLang="en-US" sz="5400" b="1" dirty="0">
-                <a:latin typeface="Microsoft JhengHei" panose="020B0604030504040204" pitchFamily="34" charset="-120"/>
-                <a:ea typeface="Microsoft JhengHei" panose="020B0604030504040204" pitchFamily="34" charset="-120"/>
-              </a:rPr>
-              <a:t>心</a:t>
-            </a:r>
-            <a:endParaRPr lang="en-US" altLang="zh-TW" sz="5400" b="1" dirty="0">
-              <a:latin typeface="Microsoft JhengHei" panose="020B0604030504040204" pitchFamily="34" charset="-120"/>
-              <a:ea typeface="Microsoft JhengHei" panose="020B0604030504040204" pitchFamily="34" charset="-120"/>
-            </a:endParaRPr>
-          </a:p>
-          <a:p>
-            <a:pPr algn="ctr">
-              <a:buNone/>
-            </a:pPr>
-            <a:r>
-              <a:rPr lang="zh-TW" altLang="en-US" sz="5400" b="1" dirty="0">
-                <a:latin typeface="Microsoft JhengHei" panose="020B0604030504040204" pitchFamily="34" charset="-120"/>
-                <a:ea typeface="Microsoft JhengHei" panose="020B0604030504040204" pitchFamily="34" charset="-120"/>
-              </a:rPr>
-              <a:t>指</a:t>
-            </a:r>
-            <a:r>
-              <a:rPr lang="zh-TW" altLang="en-US" sz="5400" b="1" dirty="0">
-                <a:latin typeface="Microsoft JhengHei" panose="020B0604030504040204" pitchFamily="34" charset="-120"/>
-                <a:ea typeface="Microsoft JhengHei" panose="020B0604030504040204" pitchFamily="34" charset="-120"/>
-              </a:rPr>
-              <a:t>的就是我全</a:t>
-            </a:r>
-            <a:r>
-              <a:rPr lang="zh-TW" altLang="en-US" sz="5400" b="1" dirty="0">
-                <a:latin typeface="Microsoft JhengHei" panose="020B0604030504040204" pitchFamily="34" charset="-120"/>
-                <a:ea typeface="Microsoft JhengHei" panose="020B0604030504040204" pitchFamily="34" charset="-120"/>
-              </a:rPr>
-              <a:t>所有</a:t>
-            </a:r>
-            <a:endParaRPr lang="en-US" altLang="zh-TW" sz="5400" b="1" dirty="0">
-              <a:latin typeface="Microsoft JhengHei" panose="020B0604030504040204" pitchFamily="34" charset="-120"/>
-              <a:ea typeface="Microsoft JhengHei" panose="020B0604030504040204" pitchFamily="34" charset="-120"/>
-            </a:endParaRPr>
-          </a:p>
-          <a:p>
-            <a:pPr algn="ctr">
-              <a:buNone/>
-            </a:pPr>
-            <a:r>
-              <a:rPr lang="zh-TW" altLang="en-US" sz="5400" b="1" dirty="0">
-                <a:latin typeface="Microsoft JhengHei" panose="020B0604030504040204" pitchFamily="34" charset="-120"/>
-                <a:ea typeface="Microsoft JhengHei" panose="020B0604030504040204" pitchFamily="34" charset="-120"/>
-              </a:rPr>
-              <a:t>每</a:t>
-            </a:r>
-            <a:r>
-              <a:rPr lang="zh-TW" altLang="en-US" sz="5400" b="1" dirty="0">
-                <a:latin typeface="Microsoft JhengHei" panose="020B0604030504040204" pitchFamily="34" charset="-120"/>
-                <a:ea typeface="Microsoft JhengHei" panose="020B0604030504040204" pitchFamily="34" charset="-120"/>
-              </a:rPr>
-              <a:t>個呼吸每個決定都為</a:t>
-            </a:r>
-            <a:r>
-              <a:rPr lang="zh-TW" altLang="en-US" sz="5400" b="1" dirty="0" smtClean="0">
-                <a:latin typeface="Microsoft JhengHei" panose="020B0604030504040204" pitchFamily="34" charset="-120"/>
-                <a:ea typeface="Microsoft JhengHei" panose="020B0604030504040204" pitchFamily="34" charset="-120"/>
-              </a:rPr>
-              <a:t>了</a:t>
-            </a:r>
-            <a:r>
-              <a:rPr lang="zh-CN" altLang="en-US" sz="5400" b="1" dirty="0" smtClean="0">
-                <a:latin typeface="Microsoft JhengHei" panose="020B0604030504040204" pitchFamily="34" charset="-120"/>
-                <a:ea typeface="Microsoft JhengHei" panose="020B0604030504040204" pitchFamily="34" charset="-120"/>
-              </a:rPr>
-              <a:t>袮</a:t>
-            </a:r>
-            <a:endParaRPr lang="en-US" altLang="zh-TW" sz="5400" b="1" dirty="0">
-              <a:latin typeface="Microsoft JhengHei" panose="020B0604030504040204" pitchFamily="34" charset="-120"/>
-              <a:ea typeface="Microsoft JhengHei" panose="020B0604030504040204" pitchFamily="34" charset="-120"/>
-            </a:endParaRPr>
-          </a:p>
-          <a:p>
-            <a:pPr algn="ctr">
-              <a:buNone/>
-            </a:pPr>
-            <a:r>
-              <a:rPr lang="zh-TW" altLang="en-US" sz="5400" b="1" dirty="0">
-                <a:latin typeface="Microsoft JhengHei" panose="020B0604030504040204" pitchFamily="34" charset="-120"/>
-                <a:ea typeface="Microsoft JhengHei" panose="020B0604030504040204" pitchFamily="34" charset="-120"/>
-              </a:rPr>
-              <a:t>直</a:t>
-            </a:r>
-            <a:r>
-              <a:rPr lang="zh-TW" altLang="en-US" sz="5400" b="1" dirty="0" smtClean="0">
-                <a:latin typeface="Microsoft JhengHei" panose="020B0604030504040204" pitchFamily="34" charset="-120"/>
-                <a:ea typeface="Microsoft JhengHei" panose="020B0604030504040204" pitchFamily="34" charset="-120"/>
-              </a:rPr>
-              <a:t>到</a:t>
-            </a:r>
-            <a:r>
-              <a:rPr lang="zh-CN" altLang="en-US" sz="5400" b="1" dirty="0">
-                <a:latin typeface="Microsoft JhengHei" panose="020B0604030504040204" pitchFamily="34" charset="-120"/>
-                <a:ea typeface="Microsoft JhengHei" panose="020B0604030504040204" pitchFamily="34" charset="-120"/>
-              </a:rPr>
-              <a:t>袮</a:t>
-            </a:r>
-            <a:r>
-              <a:rPr lang="zh-TW" altLang="en-US" sz="5400" b="1" dirty="0" smtClean="0">
-                <a:latin typeface="Microsoft JhengHei" panose="020B0604030504040204" pitchFamily="34" charset="-120"/>
-                <a:ea typeface="Microsoft JhengHei" panose="020B0604030504040204" pitchFamily="34" charset="-120"/>
-              </a:rPr>
-              <a:t>再</a:t>
-            </a:r>
-            <a:r>
-              <a:rPr lang="zh-TW" altLang="en-US" sz="5400" b="1" dirty="0">
-                <a:latin typeface="Microsoft JhengHei" panose="020B0604030504040204" pitchFamily="34" charset="-120"/>
-                <a:ea typeface="Microsoft JhengHei" panose="020B0604030504040204" pitchFamily="34" charset="-120"/>
-              </a:rPr>
-              <a:t>來那一天</a:t>
+            <a:r>
+              <a:rPr lang="zh-TW" altLang="en-US" sz="7200" b="1" i="1" dirty="0">
+                <a:solidFill>
+                  <a:srgbClr val="000066"/>
+                </a:solidFill>
+                <a:effectLst>
+                  <a:outerShdw blurRad="38100" dist="38100" dir="2700000" algn="tl">
+                    <a:srgbClr val="000000">
+                      <a:alpha val="43137"/>
+                    </a:srgbClr>
+                  </a:outerShdw>
+                </a:effectLst>
+                <a:latin typeface="微軟正黑體" pitchFamily="34" charset="-120"/>
+                <a:ea typeface="微軟正黑體" pitchFamily="34" charset="-120"/>
+              </a:rPr>
+              <a:t>敬</a:t>
+            </a:r>
+            <a:r>
+              <a:rPr lang="zh-TW" altLang="en-US" sz="7200" b="1" i="1" dirty="0">
+                <a:solidFill>
+                  <a:srgbClr val="000066"/>
+                </a:solidFill>
+                <a:effectLst>
+                  <a:outerShdw blurRad="38100" dist="38100" dir="2700000" algn="tl">
+                    <a:srgbClr val="000000">
+                      <a:alpha val="43137"/>
+                    </a:srgbClr>
+                  </a:outerShdw>
+                </a:effectLst>
+                <a:latin typeface="微軟正黑體" pitchFamily="34" charset="-120"/>
+                <a:ea typeface="微軟正黑體" pitchFamily="34" charset="-120"/>
+              </a:rPr>
+              <a:t>拜的心</a:t>
             </a:r>
           </a:p>
         </p:txBody>
       </p:sp>
     </p:spTree>
+    <p:extLst>
+      <p:ext uri="{BB962C8B-B14F-4D97-AF65-F5344CB8AC3E}">
+        <p14:creationId xmlns:p14="http://schemas.microsoft.com/office/powerpoint/2010/main" val="2582276652"/>
+      </p:ext>
+    </p:extLst>
   </p:cSld>
   <p:clrMapOvr>
     <a:masterClrMapping/>
@@ -3330,64 +3219,43 @@
       </p:grpSpPr>
       <p:sp>
         <p:nvSpPr>
-          <p:cNvPr id="4" name="標題 3"/>
-          <p:cNvSpPr>
-            <a:spLocks noGrp="1"/>
-          </p:cNvSpPr>
-          <p:nvPr>
-            <p:ph type="title"/>
-          </p:nvPr>
-        </p:nvSpPr>
-        <p:spPr/>
-        <p:txBody>
-          <a:bodyPr>
+          <p:cNvPr id="5" name="內容版面配置區 4"/>
+          <p:cNvSpPr>
+            <a:spLocks noGrp="1"/>
+          </p:cNvSpPr>
+          <p:nvPr>
+            <p:ph idx="1"/>
+          </p:nvPr>
+        </p:nvSpPr>
+        <p:spPr>
+          <a:xfrm>
+            <a:off x="0" y="2084851"/>
+            <a:ext cx="12192000" cy="2404863"/>
+          </a:xfrm>
+        </p:spPr>
+        <p:txBody>
+          <a:bodyPr anchor="ctr">
             <a:normAutofit/>
           </a:bodyPr>
           <a:lstStyle/>
           <a:p>
-            <a:r>
-              <a:rPr lang="zh-TW" altLang="en-US" sz="4800" b="1" dirty="0">
-                <a:latin typeface="Microsoft JhengHei" panose="020B0604030504040204" pitchFamily="34" charset="-120"/>
-                <a:ea typeface="Microsoft JhengHei" panose="020B0604030504040204" pitchFamily="34" charset="-120"/>
-              </a:rPr>
-              <a:t>敬拜的心</a:t>
-            </a:r>
-          </a:p>
-        </p:txBody>
-      </p:sp>
-      <p:sp>
-        <p:nvSpPr>
-          <p:cNvPr id="5" name="內容版面配置區 4"/>
-          <p:cNvSpPr>
-            <a:spLocks noGrp="1"/>
-          </p:cNvSpPr>
-          <p:nvPr>
-            <p:ph idx="1"/>
-          </p:nvPr>
-        </p:nvSpPr>
-        <p:spPr>
-          <a:xfrm>
-            <a:off x="1524000" y="1600200"/>
-            <a:ext cx="9144000" cy="5257800"/>
-          </a:xfrm>
-        </p:spPr>
-        <p:txBody>
-          <a:bodyPr>
-            <a:normAutofit/>
-          </a:bodyPr>
-          <a:lstStyle/>
-          <a:p>
             <a:pPr algn="ctr">
               <a:buNone/>
             </a:pPr>
             <a:r>
-              <a:rPr lang="zh-TW" altLang="en-US" sz="5400" b="1" dirty="0">
-                <a:latin typeface="Microsoft JhengHei" panose="020B0604030504040204" pitchFamily="34" charset="-120"/>
-                <a:ea typeface="Microsoft JhengHei" panose="020B0604030504040204" pitchFamily="34" charset="-120"/>
-              </a:rPr>
-              <a:t>無論要付什麼代價</a:t>
-            </a:r>
-            <a:endParaRPr lang="en-US" altLang="zh-TW" sz="5400" b="1" dirty="0">
+              <a:rPr lang="zh-TW" altLang="en-US" sz="6400" b="1" dirty="0">
+                <a:solidFill>
+                  <a:srgbClr val="000066"/>
+                </a:solidFill>
+                <a:latin typeface="Microsoft JhengHei" panose="020B0604030504040204" pitchFamily="34" charset="-120"/>
+                <a:ea typeface="Microsoft JhengHei" panose="020B0604030504040204" pitchFamily="34" charset="-120"/>
+              </a:rPr>
+              <a:t>我獻上一顆敬拜的心</a:t>
+            </a:r>
+            <a:endParaRPr lang="en-US" altLang="zh-TW" sz="6400" b="1" dirty="0">
+              <a:solidFill>
+                <a:srgbClr val="000066"/>
+              </a:solidFill>
               <a:latin typeface="Microsoft JhengHei" panose="020B0604030504040204" pitchFamily="34" charset="-120"/>
               <a:ea typeface="Microsoft JhengHei" panose="020B0604030504040204" pitchFamily="34" charset="-120"/>
             </a:endParaRPr>
@@ -3397,87 +3265,93 @@
               <a:buNone/>
             </a:pPr>
             <a:r>
-              <a:rPr lang="zh-CN" altLang="en-US" sz="5400" b="1" dirty="0">
-                <a:latin typeface="Microsoft JhengHei" panose="020B0604030504040204" pitchFamily="34" charset="-120"/>
-                <a:ea typeface="Microsoft JhengHei" panose="020B0604030504040204" pitchFamily="34" charset="-120"/>
-              </a:rPr>
-              <a:t>袮</a:t>
-            </a:r>
-            <a:r>
-              <a:rPr lang="zh-TW" altLang="en-US" sz="5400" b="1" dirty="0" smtClean="0">
-                <a:latin typeface="Microsoft JhengHei" panose="020B0604030504040204" pitchFamily="34" charset="-120"/>
-                <a:ea typeface="Microsoft JhengHei" panose="020B0604030504040204" pitchFamily="34" charset="-120"/>
-              </a:rPr>
-              <a:t>說</a:t>
-            </a:r>
-            <a:r>
-              <a:rPr lang="zh-TW" altLang="en-US" sz="5400" b="1" dirty="0">
-                <a:latin typeface="Microsoft JhengHei" panose="020B0604030504040204" pitchFamily="34" charset="-120"/>
-                <a:ea typeface="Microsoft JhengHei" panose="020B0604030504040204" pitchFamily="34" charset="-120"/>
-              </a:rPr>
-              <a:t>敬拜不可虛假</a:t>
-            </a:r>
-            <a:endParaRPr lang="en-US" altLang="zh-TW" sz="5400" b="1" dirty="0">
+              <a:rPr lang="zh-TW" altLang="en-US" sz="6400" b="1" dirty="0">
+                <a:solidFill>
+                  <a:srgbClr val="000066"/>
+                </a:solidFill>
+                <a:latin typeface="Microsoft JhengHei" panose="020B0604030504040204" pitchFamily="34" charset="-120"/>
+                <a:ea typeface="Microsoft JhengHei" panose="020B0604030504040204" pitchFamily="34" charset="-120"/>
+              </a:rPr>
+              <a:t>指的就是我全所有</a:t>
+            </a:r>
+            <a:endParaRPr lang="en-US" altLang="zh-TW" sz="6400" b="1" dirty="0">
+              <a:solidFill>
+                <a:srgbClr val="000066"/>
+              </a:solidFill>
               <a:latin typeface="Microsoft JhengHei" panose="020B0604030504040204" pitchFamily="34" charset="-120"/>
               <a:ea typeface="Microsoft JhengHei" panose="020B0604030504040204" pitchFamily="34" charset="-120"/>
             </a:endParaRPr>
           </a:p>
-          <a:p>
-            <a:pPr algn="ctr">
-              <a:buNone/>
-            </a:pPr>
-            <a:r>
-              <a:rPr lang="zh-TW" altLang="en-US" sz="5400" b="1" dirty="0">
-                <a:latin typeface="Microsoft JhengHei" panose="020B0604030504040204" pitchFamily="34" charset="-120"/>
-                <a:ea typeface="Microsoft JhengHei" panose="020B0604030504040204" pitchFamily="34" charset="-120"/>
-              </a:rPr>
-              <a:t>只要祭物是來自我心靈</a:t>
-            </a:r>
-            <a:endParaRPr lang="en-US" altLang="zh-TW" sz="5400" b="1" dirty="0">
-              <a:latin typeface="Microsoft JhengHei" panose="020B0604030504040204" pitchFamily="34" charset="-120"/>
+        </p:txBody>
+      </p:sp>
+      <p:sp>
+        <p:nvSpPr>
+          <p:cNvPr id="3" name="TextBox 2"/>
+          <p:cNvSpPr txBox="1"/>
+          <p:nvPr/>
+        </p:nvSpPr>
+        <p:spPr>
+          <a:xfrm>
+            <a:off x="0" y="5157192"/>
+            <a:ext cx="12192000" cy="748988"/>
+          </a:xfrm>
+          <a:prstGeom prst="rect">
+            <a:avLst/>
+          </a:prstGeom>
+          <a:noFill/>
+        </p:spPr>
+        <p:txBody>
+          <a:bodyPr wrap="square" rtlCol="0">
+            <a:spAutoFit/>
+          </a:bodyPr>
+          <a:lstStyle/>
+          <a:p>
+            <a:pPr algn="ctr"/>
+            <a:r>
+              <a:rPr lang="en-US" sz="4267" b="1" dirty="0">
+                <a:solidFill>
+                  <a:srgbClr val="000066"/>
+                </a:solidFill>
+                <a:latin typeface="Microsoft JhengHei" panose="020B0604030504040204" pitchFamily="34" charset="-120"/>
+                <a:ea typeface="Microsoft JhengHei" panose="020B0604030504040204" pitchFamily="34" charset="-120"/>
+              </a:rPr>
+              <a:t>( </a:t>
+            </a:r>
+            <a:r>
+              <a:rPr lang="zh-CN" altLang="en-US" sz="4267" b="1" dirty="0">
+                <a:solidFill>
+                  <a:srgbClr val="000066"/>
+                </a:solidFill>
+                <a:latin typeface="Microsoft JhengHei" panose="020B0604030504040204" pitchFamily="34" charset="-120"/>
+                <a:ea typeface="Microsoft JhengHei" panose="020B0604030504040204" pitchFamily="34" charset="-120"/>
+              </a:rPr>
+              <a:t>正</a:t>
+            </a:r>
+            <a:r>
+              <a:rPr lang="en-US" sz="4267" b="1" dirty="0">
+                <a:solidFill>
+                  <a:srgbClr val="000066"/>
+                </a:solidFill>
+                <a:latin typeface="Microsoft JhengHei" panose="020B0604030504040204" pitchFamily="34" charset="-120"/>
+                <a:ea typeface="Microsoft JhengHei" panose="020B0604030504040204" pitchFamily="34" charset="-120"/>
+              </a:rPr>
+              <a:t> )</a:t>
+            </a:r>
+            <a:endParaRPr lang="vi-VN" sz="4267" b="1" dirty="0">
+              <a:solidFill>
+                <a:srgbClr val="000066"/>
+              </a:solidFill>
               <a:ea typeface="Microsoft JhengHei" panose="020B0604030504040204" pitchFamily="34" charset="-120"/>
             </a:endParaRPr>
           </a:p>
-          <a:p>
-            <a:pPr algn="ctr">
-              <a:buNone/>
-            </a:pPr>
-            <a:r>
-              <a:rPr lang="zh-TW" altLang="en-US" sz="5400" b="1" dirty="0" smtClean="0">
-                <a:latin typeface="Microsoft JhengHei" panose="020B0604030504040204" pitchFamily="34" charset="-120"/>
-                <a:ea typeface="Microsoft JhengHei" panose="020B0604030504040204" pitchFamily="34" charset="-120"/>
-              </a:rPr>
-              <a:t>主</a:t>
-            </a:r>
-            <a:r>
-              <a:rPr lang="zh-CN" altLang="en-US" sz="5400" b="1" dirty="0">
-                <a:latin typeface="Microsoft JhengHei" panose="020B0604030504040204" pitchFamily="34" charset="-120"/>
-                <a:ea typeface="Microsoft JhengHei" panose="020B0604030504040204" pitchFamily="34" charset="-120"/>
-              </a:rPr>
-              <a:t>袮</a:t>
-            </a:r>
-            <a:r>
-              <a:rPr lang="zh-TW" altLang="en-US" sz="5400" b="1" dirty="0" smtClean="0">
-                <a:latin typeface="Microsoft JhengHei" panose="020B0604030504040204" pitchFamily="34" charset="-120"/>
-                <a:ea typeface="Microsoft JhengHei" panose="020B0604030504040204" pitchFamily="34" charset="-120"/>
-              </a:rPr>
-              <a:t>就</a:t>
-            </a:r>
-            <a:r>
-              <a:rPr lang="zh-TW" altLang="en-US" sz="5400" b="1" dirty="0">
-                <a:latin typeface="Microsoft JhengHei" panose="020B0604030504040204" pitchFamily="34" charset="-120"/>
-                <a:ea typeface="Microsoft JhengHei" panose="020B0604030504040204" pitchFamily="34" charset="-120"/>
-              </a:rPr>
-              <a:t>悅納</a:t>
-            </a:r>
-            <a:endParaRPr lang="en-US" altLang="zh-TW" sz="5400" b="1" dirty="0">
-              <a:latin typeface="Microsoft JhengHei" panose="020B0604030504040204" pitchFamily="34" charset="-120"/>
-              <a:ea typeface="Microsoft JhengHei" panose="020B0604030504040204" pitchFamily="34" charset="-120"/>
-            </a:endParaRPr>
-          </a:p>
         </p:txBody>
       </p:sp>
     </p:spTree>
+    <p:extLst>
+      <p:ext uri="{BB962C8B-B14F-4D97-AF65-F5344CB8AC3E}">
+        <p14:creationId xmlns:p14="http://schemas.microsoft.com/office/powerpoint/2010/main" val="4176275358"/>
+      </p:ext>
+    </p:extLst>
   </p:cSld>
   <p:clrMapOvr>
     <a:masterClrMapping/>
@@ -3504,64 +3378,53 @@
       </p:grpSpPr>
       <p:sp>
         <p:nvSpPr>
-          <p:cNvPr id="4" name="標題 3"/>
-          <p:cNvSpPr>
-            <a:spLocks noGrp="1"/>
-          </p:cNvSpPr>
-          <p:nvPr>
-            <p:ph type="title"/>
-          </p:nvPr>
-        </p:nvSpPr>
-        <p:spPr/>
-        <p:txBody>
-          <a:bodyPr>
+          <p:cNvPr id="5" name="內容版面配置區 4"/>
+          <p:cNvSpPr>
+            <a:spLocks noGrp="1"/>
+          </p:cNvSpPr>
+          <p:nvPr>
+            <p:ph idx="1"/>
+          </p:nvPr>
+        </p:nvSpPr>
+        <p:spPr>
+          <a:xfrm>
+            <a:off x="0" y="2084851"/>
+            <a:ext cx="12192000" cy="2404863"/>
+          </a:xfrm>
+        </p:spPr>
+        <p:txBody>
+          <a:bodyPr anchor="ctr">
             <a:normAutofit/>
           </a:bodyPr>
           <a:lstStyle/>
           <a:p>
-            <a:r>
-              <a:rPr lang="zh-TW" altLang="en-US" sz="4800" b="1" dirty="0">
-                <a:latin typeface="Microsoft JhengHei" panose="020B0604030504040204" pitchFamily="34" charset="-120"/>
-                <a:ea typeface="Microsoft JhengHei" panose="020B0604030504040204" pitchFamily="34" charset="-120"/>
-              </a:rPr>
-              <a:t>敬拜的心</a:t>
-            </a:r>
-          </a:p>
-        </p:txBody>
-      </p:sp>
-      <p:sp>
-        <p:nvSpPr>
-          <p:cNvPr id="5" name="內容版面配置區 4"/>
-          <p:cNvSpPr>
-            <a:spLocks noGrp="1"/>
-          </p:cNvSpPr>
-          <p:nvPr>
-            <p:ph idx="1"/>
-          </p:nvPr>
-        </p:nvSpPr>
-        <p:spPr>
-          <a:xfrm>
-            <a:off x="1524000" y="1600200"/>
-            <a:ext cx="9144000" cy="5257800"/>
-          </a:xfrm>
-        </p:spPr>
-        <p:txBody>
-          <a:bodyPr>
-            <a:normAutofit/>
-          </a:bodyPr>
-          <a:lstStyle/>
-          <a:p>
             <a:pPr algn="ctr">
               <a:buNone/>
             </a:pPr>
             <a:r>
-              <a:rPr lang="zh-TW" altLang="en-US" sz="5400" b="1" dirty="0">
-                <a:latin typeface="Microsoft JhengHei" panose="020B0604030504040204" pitchFamily="34" charset="-120"/>
-                <a:ea typeface="Microsoft JhengHei" panose="020B0604030504040204" pitchFamily="34" charset="-120"/>
-              </a:rPr>
-              <a:t>無論要付什麼代價</a:t>
-            </a:r>
-            <a:endParaRPr lang="en-US" altLang="zh-TW" sz="5400" b="1" dirty="0">
+              <a:rPr lang="zh-TW" altLang="en-US" sz="6400" b="1" dirty="0">
+                <a:solidFill>
+                  <a:srgbClr val="000066"/>
+                </a:solidFill>
+                <a:latin typeface="Microsoft JhengHei" panose="020B0604030504040204" pitchFamily="34" charset="-120"/>
+                <a:ea typeface="Microsoft JhengHei" panose="020B0604030504040204" pitchFamily="34" charset="-120"/>
+              </a:rPr>
+              <a:t>每個呼吸每個決定都為了</a:t>
+            </a:r>
+            <a:r>
+              <a:rPr lang="zh-CN" altLang="en-US" sz="6400" b="1" dirty="0">
+                <a:solidFill>
+                  <a:srgbClr val="000066"/>
+                </a:solidFill>
+                <a:latin typeface="Microsoft JhengHei" panose="020B0604030504040204" pitchFamily="34" charset="-120"/>
+                <a:ea typeface="Microsoft JhengHei" panose="020B0604030504040204" pitchFamily="34" charset="-120"/>
+              </a:rPr>
+              <a:t>袮</a:t>
+            </a:r>
+            <a:endParaRPr lang="en-US" altLang="zh-TW" sz="6400" b="1" dirty="0">
+              <a:solidFill>
+                <a:srgbClr val="000066"/>
+              </a:solidFill>
               <a:latin typeface="Microsoft JhengHei" panose="020B0604030504040204" pitchFamily="34" charset="-120"/>
               <a:ea typeface="Microsoft JhengHei" panose="020B0604030504040204" pitchFamily="34" charset="-120"/>
             </a:endParaRPr>
@@ -3571,50 +3434,106 @@
               <a:buNone/>
             </a:pPr>
             <a:r>
-              <a:rPr lang="zh-TW" altLang="en-US" sz="5400" b="1" dirty="0">
-                <a:latin typeface="Microsoft JhengHei" panose="020B0604030504040204" pitchFamily="34" charset="-120"/>
-                <a:ea typeface="Microsoft JhengHei" panose="020B0604030504040204" pitchFamily="34" charset="-120"/>
-              </a:rPr>
-              <a:t>當我再次說我</a:t>
-            </a:r>
-            <a:r>
-              <a:rPr lang="zh-TW" altLang="en-US" sz="5400" b="1" dirty="0" smtClean="0">
-                <a:latin typeface="Microsoft JhengHei" panose="020B0604030504040204" pitchFamily="34" charset="-120"/>
-                <a:ea typeface="Microsoft JhengHei" panose="020B0604030504040204" pitchFamily="34" charset="-120"/>
-              </a:rPr>
-              <a:t>愛</a:t>
-            </a:r>
-            <a:r>
-              <a:rPr lang="zh-CN" altLang="en-US" sz="5400" b="1" dirty="0">
+              <a:rPr lang="zh-TW" altLang="en-US" sz="6400" b="1" dirty="0">
+                <a:solidFill>
+                  <a:srgbClr val="000066"/>
+                </a:solidFill>
+                <a:latin typeface="Microsoft JhengHei" panose="020B0604030504040204" pitchFamily="34" charset="-120"/>
+                <a:ea typeface="Microsoft JhengHei" panose="020B0604030504040204" pitchFamily="34" charset="-120"/>
+              </a:rPr>
+              <a:t>直到</a:t>
+            </a:r>
+            <a:r>
+              <a:rPr lang="zh-CN" altLang="en-US" sz="6400" b="1" dirty="0">
+                <a:solidFill>
+                  <a:srgbClr val="000066"/>
+                </a:solidFill>
                 <a:latin typeface="Microsoft JhengHei" panose="020B0604030504040204" pitchFamily="34" charset="-120"/>
                 <a:ea typeface="Microsoft JhengHei" panose="020B0604030504040204" pitchFamily="34" charset="-120"/>
               </a:rPr>
               <a:t>袮</a:t>
             </a:r>
-            <a:endParaRPr lang="en-US" altLang="zh-TW" sz="5400" b="1" dirty="0">
-              <a:latin typeface="Microsoft JhengHei" panose="020B0604030504040204" pitchFamily="34" charset="-120"/>
+            <a:r>
+              <a:rPr lang="zh-TW" altLang="en-US" sz="6400" b="1" dirty="0">
+                <a:solidFill>
+                  <a:srgbClr val="000066"/>
+                </a:solidFill>
+                <a:latin typeface="Microsoft JhengHei" panose="020B0604030504040204" pitchFamily="34" charset="-120"/>
+                <a:ea typeface="Microsoft JhengHei" panose="020B0604030504040204" pitchFamily="34" charset="-120"/>
+              </a:rPr>
+              <a:t>再來那一天</a:t>
+            </a:r>
+          </a:p>
+        </p:txBody>
+      </p:sp>
+      <p:sp>
+        <p:nvSpPr>
+          <p:cNvPr id="3" name="TextBox 2"/>
+          <p:cNvSpPr txBox="1"/>
+          <p:nvPr/>
+        </p:nvSpPr>
+        <p:spPr>
+          <a:xfrm>
+            <a:off x="0" y="5157192"/>
+            <a:ext cx="12192000" cy="748988"/>
+          </a:xfrm>
+          <a:prstGeom prst="rect">
+            <a:avLst/>
+          </a:prstGeom>
+          <a:noFill/>
+        </p:spPr>
+        <p:txBody>
+          <a:bodyPr wrap="square" rtlCol="0">
+            <a:spAutoFit/>
+          </a:bodyPr>
+          <a:lstStyle/>
+          <a:p>
+            <a:pPr algn="ctr"/>
+            <a:r>
+              <a:rPr lang="en-US" sz="4267" b="1" dirty="0">
+                <a:solidFill>
+                  <a:srgbClr val="000066"/>
+                </a:solidFill>
+                <a:latin typeface="Microsoft JhengHei" panose="020B0604030504040204" pitchFamily="34" charset="-120"/>
+                <a:ea typeface="Microsoft JhengHei" panose="020B0604030504040204" pitchFamily="34" charset="-120"/>
+              </a:rPr>
+              <a:t>( </a:t>
+            </a:r>
+            <a:r>
+              <a:rPr lang="zh-CN" altLang="en-US" sz="4267" b="1" dirty="0">
+                <a:solidFill>
+                  <a:srgbClr val="000066"/>
+                </a:solidFill>
+                <a:latin typeface="Microsoft JhengHei" panose="020B0604030504040204" pitchFamily="34" charset="-120"/>
+                <a:ea typeface="Microsoft JhengHei" panose="020B0604030504040204" pitchFamily="34" charset="-120"/>
+              </a:rPr>
+              <a:t>正</a:t>
+            </a:r>
+            <a:r>
+              <a:rPr lang="en-US" sz="4267" b="1" dirty="0">
+                <a:solidFill>
+                  <a:srgbClr val="000066"/>
+                </a:solidFill>
+                <a:latin typeface="Microsoft JhengHei" panose="020B0604030504040204" pitchFamily="34" charset="-120"/>
+                <a:ea typeface="Microsoft JhengHei" panose="020B0604030504040204" pitchFamily="34" charset="-120"/>
+              </a:rPr>
+              <a:t> )</a:t>
+            </a:r>
+            <a:endParaRPr lang="vi-VN" sz="4267" b="1" dirty="0">
+              <a:solidFill>
+                <a:srgbClr val="000066"/>
+              </a:solidFill>
               <a:ea typeface="Microsoft JhengHei" panose="020B0604030504040204" pitchFamily="34" charset="-120"/>
             </a:endParaRPr>
           </a:p>
-          <a:p>
-            <a:pPr algn="ctr">
-              <a:buNone/>
-            </a:pPr>
-            <a:r>
-              <a:rPr lang="zh-TW" altLang="en-US" sz="5400" b="1" dirty="0">
-                <a:latin typeface="Microsoft JhengHei" panose="020B0604030504040204" pitchFamily="34" charset="-120"/>
-                <a:ea typeface="Microsoft JhengHei" panose="020B0604030504040204" pitchFamily="34" charset="-120"/>
-              </a:rPr>
-              <a:t>我會真誠發自我內心</a:t>
-            </a:r>
-            <a:endParaRPr lang="en-US" altLang="zh-TW" sz="5400" b="1" dirty="0">
-              <a:latin typeface="Microsoft JhengHei" panose="020B0604030504040204" pitchFamily="34" charset="-120"/>
-              <a:ea typeface="Microsoft JhengHei" panose="020B0604030504040204" pitchFamily="34" charset="-120"/>
-            </a:endParaRPr>
-          </a:p>
         </p:txBody>
       </p:sp>
     </p:spTree>
+    <p:extLst>
+      <p:ext uri="{BB962C8B-B14F-4D97-AF65-F5344CB8AC3E}">
+        <p14:creationId xmlns:p14="http://schemas.microsoft.com/office/powerpoint/2010/main" val="2828837870"/>
+      </p:ext>
+    </p:extLst>
   </p:cSld>
   <p:clrMapOvr>
     <a:masterClrMapping/>
@@ -3641,64 +3560,43 @@
       </p:grpSpPr>
       <p:sp>
         <p:nvSpPr>
-          <p:cNvPr id="4" name="標題 3"/>
-          <p:cNvSpPr>
-            <a:spLocks noGrp="1"/>
-          </p:cNvSpPr>
-          <p:nvPr>
-            <p:ph type="title"/>
-          </p:nvPr>
-        </p:nvSpPr>
-        <p:spPr/>
-        <p:txBody>
-          <a:bodyPr>
+          <p:cNvPr id="5" name="內容版面配置區 4"/>
+          <p:cNvSpPr>
+            <a:spLocks noGrp="1"/>
+          </p:cNvSpPr>
+          <p:nvPr>
+            <p:ph idx="1"/>
+          </p:nvPr>
+        </p:nvSpPr>
+        <p:spPr>
+          <a:xfrm>
+            <a:off x="0" y="2084851"/>
+            <a:ext cx="12192000" cy="2404863"/>
+          </a:xfrm>
+        </p:spPr>
+        <p:txBody>
+          <a:bodyPr anchor="ctr">
             <a:normAutofit/>
           </a:bodyPr>
           <a:lstStyle/>
           <a:p>
-            <a:r>
-              <a:rPr lang="zh-TW" altLang="en-US" sz="4800" b="1" dirty="0">
-                <a:latin typeface="Microsoft JhengHei" panose="020B0604030504040204" pitchFamily="34" charset="-120"/>
-                <a:ea typeface="Microsoft JhengHei" panose="020B0604030504040204" pitchFamily="34" charset="-120"/>
-              </a:rPr>
-              <a:t>敬拜的心</a:t>
-            </a:r>
-          </a:p>
-        </p:txBody>
-      </p:sp>
-      <p:sp>
-        <p:nvSpPr>
-          <p:cNvPr id="5" name="內容版面配置區 4"/>
-          <p:cNvSpPr>
-            <a:spLocks noGrp="1"/>
-          </p:cNvSpPr>
-          <p:nvPr>
-            <p:ph idx="1"/>
-          </p:nvPr>
-        </p:nvSpPr>
-        <p:spPr>
-          <a:xfrm>
-            <a:off x="1524000" y="1600200"/>
-            <a:ext cx="9144000" cy="5257800"/>
-          </a:xfrm>
-        </p:spPr>
-        <p:txBody>
-          <a:bodyPr>
-            <a:normAutofit/>
-          </a:bodyPr>
-          <a:lstStyle/>
-          <a:p>
             <a:pPr algn="ctr">
               <a:buNone/>
             </a:pPr>
             <a:r>
-              <a:rPr lang="zh-TW" altLang="en-US" sz="5400" b="1" dirty="0">
-                <a:latin typeface="Microsoft JhengHei" panose="020B0604030504040204" pitchFamily="34" charset="-120"/>
-                <a:ea typeface="Microsoft JhengHei" panose="020B0604030504040204" pitchFamily="34" charset="-120"/>
-              </a:rPr>
-              <a:t>心與心  心與心</a:t>
-            </a:r>
-            <a:endParaRPr lang="en-US" altLang="zh-TW" sz="5400" b="1" dirty="0">
+              <a:rPr lang="zh-TW" altLang="en-US" sz="6400" b="1" dirty="0">
+                <a:solidFill>
+                  <a:srgbClr val="000066"/>
+                </a:solidFill>
+                <a:latin typeface="Microsoft JhengHei" panose="020B0604030504040204" pitchFamily="34" charset="-120"/>
+                <a:ea typeface="Microsoft JhengHei" panose="020B0604030504040204" pitchFamily="34" charset="-120"/>
+              </a:rPr>
+              <a:t>無論要付什麼代價</a:t>
+            </a:r>
+            <a:endParaRPr lang="en-US" altLang="zh-TW" sz="6400" b="1" dirty="0">
+              <a:solidFill>
+                <a:srgbClr val="000066"/>
+              </a:solidFill>
               <a:latin typeface="Microsoft JhengHei" panose="020B0604030504040204" pitchFamily="34" charset="-120"/>
               <a:ea typeface="Microsoft JhengHei" panose="020B0604030504040204" pitchFamily="34" charset="-120"/>
             </a:endParaRPr>
@@ -3708,29 +3606,166 @@
               <a:buNone/>
             </a:pPr>
             <a:r>
-              <a:rPr lang="zh-TW" altLang="en-US" sz="5400" b="1" dirty="0">
-                <a:latin typeface="Microsoft JhengHei" panose="020B0604030504040204" pitchFamily="34" charset="-120"/>
-                <a:ea typeface="Microsoft JhengHei" panose="020B0604030504040204" pitchFamily="34" charset="-120"/>
-              </a:rPr>
-              <a:t>深淵與深淵響應</a:t>
-            </a:r>
-            <a:endParaRPr lang="en-US" altLang="zh-TW" sz="5400" b="1" dirty="0">
+              <a:rPr lang="zh-CN" altLang="en-US" sz="6400" b="1" dirty="0">
+                <a:solidFill>
+                  <a:srgbClr val="000066"/>
+                </a:solidFill>
+                <a:latin typeface="Microsoft JhengHei" panose="020B0604030504040204" pitchFamily="34" charset="-120"/>
+                <a:ea typeface="Microsoft JhengHei" panose="020B0604030504040204" pitchFamily="34" charset="-120"/>
+              </a:rPr>
+              <a:t>袮</a:t>
+            </a:r>
+            <a:r>
+              <a:rPr lang="zh-TW" altLang="en-US" sz="6400" b="1" dirty="0">
+                <a:solidFill>
+                  <a:srgbClr val="000066"/>
+                </a:solidFill>
+                <a:latin typeface="Microsoft JhengHei" panose="020B0604030504040204" pitchFamily="34" charset="-120"/>
+                <a:ea typeface="Microsoft JhengHei" panose="020B0604030504040204" pitchFamily="34" charset="-120"/>
+              </a:rPr>
+              <a:t>說敬拜不可虛假</a:t>
+            </a:r>
+            <a:endParaRPr lang="en-US" altLang="zh-TW" sz="6400" b="1" dirty="0">
+              <a:solidFill>
+                <a:srgbClr val="000066"/>
+              </a:solidFill>
               <a:latin typeface="Microsoft JhengHei" panose="020B0604030504040204" pitchFamily="34" charset="-120"/>
               <a:ea typeface="Microsoft JhengHei" panose="020B0604030504040204" pitchFamily="34" charset="-120"/>
             </a:endParaRPr>
           </a:p>
+        </p:txBody>
+      </p:sp>
+      <p:sp>
+        <p:nvSpPr>
+          <p:cNvPr id="3" name="TextBox 2"/>
+          <p:cNvSpPr txBox="1"/>
+          <p:nvPr/>
+        </p:nvSpPr>
+        <p:spPr>
+          <a:xfrm>
+            <a:off x="0" y="5157192"/>
+            <a:ext cx="12192000" cy="748988"/>
+          </a:xfrm>
+          <a:prstGeom prst="rect">
+            <a:avLst/>
+          </a:prstGeom>
+          <a:noFill/>
+        </p:spPr>
+        <p:txBody>
+          <a:bodyPr wrap="square" rtlCol="0">
+            <a:spAutoFit/>
+          </a:bodyPr>
+          <a:lstStyle/>
+          <a:p>
+            <a:pPr algn="ctr"/>
+            <a:r>
+              <a:rPr lang="en-US" sz="4267" b="1" dirty="0">
+                <a:solidFill>
+                  <a:srgbClr val="000066"/>
+                </a:solidFill>
+                <a:latin typeface="Microsoft JhengHei" panose="020B0604030504040204" pitchFamily="34" charset="-120"/>
+                <a:ea typeface="Microsoft JhengHei" panose="020B0604030504040204" pitchFamily="34" charset="-120"/>
+              </a:rPr>
+              <a:t>( </a:t>
+            </a:r>
+            <a:r>
+              <a:rPr lang="zh-CN" altLang="en-US" sz="4267" b="1" dirty="0">
+                <a:solidFill>
+                  <a:srgbClr val="000066"/>
+                </a:solidFill>
+                <a:latin typeface="Microsoft JhengHei" panose="020B0604030504040204" pitchFamily="34" charset="-120"/>
+                <a:ea typeface="Microsoft JhengHei" panose="020B0604030504040204" pitchFamily="34" charset="-120"/>
+              </a:rPr>
+              <a:t>副</a:t>
+            </a:r>
+            <a:r>
+              <a:rPr lang="en-US" sz="4267" b="1" dirty="0">
+                <a:solidFill>
+                  <a:srgbClr val="000066"/>
+                </a:solidFill>
+                <a:latin typeface="Microsoft JhengHei" panose="020B0604030504040204" pitchFamily="34" charset="-120"/>
+                <a:ea typeface="Microsoft JhengHei" panose="020B0604030504040204" pitchFamily="34" charset="-120"/>
+              </a:rPr>
+              <a:t> )</a:t>
+            </a:r>
+            <a:endParaRPr lang="vi-VN" sz="4267" b="1" dirty="0">
+              <a:solidFill>
+                <a:srgbClr val="000066"/>
+              </a:solidFill>
+              <a:ea typeface="Microsoft JhengHei" panose="020B0604030504040204" pitchFamily="34" charset="-120"/>
+            </a:endParaRPr>
+          </a:p>
+        </p:txBody>
+      </p:sp>
+    </p:spTree>
+    <p:extLst>
+      <p:ext uri="{BB962C8B-B14F-4D97-AF65-F5344CB8AC3E}">
+        <p14:creationId xmlns:p14="http://schemas.microsoft.com/office/powerpoint/2010/main" val="4271546829"/>
+      </p:ext>
+    </p:extLst>
+  </p:cSld>
+  <p:clrMapOvr>
+    <a:masterClrMapping/>
+  </p:clrMapOvr>
+</p:sld>
+</file>
+
+<file path=ppt/slides/slide5.xml><?xml version="1.0" encoding="utf-8"?>
+<p:sld xmlns:a="http://schemas.openxmlformats.org/drawingml/2006/main" xmlns:r="http://schemas.openxmlformats.org/officeDocument/2006/relationships" xmlns:p="http://schemas.openxmlformats.org/presentationml/2006/main">
+  <p:cSld>
+    <p:spTree>
+      <p:nvGrpSpPr>
+        <p:cNvPr id="1" name=""/>
+        <p:cNvGrpSpPr/>
+        <p:nvPr/>
+      </p:nvGrpSpPr>
+      <p:grpSpPr>
+        <a:xfrm>
+          <a:off x="0" y="0"/>
+          <a:ext cx="0" cy="0"/>
+          <a:chOff x="0" y="0"/>
+          <a:chExt cx="0" cy="0"/>
+        </a:xfrm>
+      </p:grpSpPr>
+      <p:sp>
+        <p:nvSpPr>
+          <p:cNvPr id="5" name="內容版面配置區 4"/>
+          <p:cNvSpPr>
+            <a:spLocks noGrp="1"/>
+          </p:cNvSpPr>
+          <p:nvPr>
+            <p:ph idx="1"/>
+          </p:nvPr>
+        </p:nvSpPr>
+        <p:spPr>
+          <a:xfrm>
+            <a:off x="0" y="2084851"/>
+            <a:ext cx="12192000" cy="2404863"/>
+          </a:xfrm>
+        </p:spPr>
+        <p:txBody>
+          <a:bodyPr anchor="ctr">
+            <a:normAutofit/>
+          </a:bodyPr>
+          <a:lstStyle/>
           <a:p>
             <a:pPr algn="ctr">
               <a:buNone/>
             </a:pPr>
             <a:r>
-              <a:rPr lang="zh-TW" altLang="en-US" sz="5400" b="1" dirty="0">
-                <a:latin typeface="Microsoft JhengHei" panose="020B0604030504040204" pitchFamily="34" charset="-120"/>
-                <a:ea typeface="Microsoft JhengHei" panose="020B0604030504040204" pitchFamily="34" charset="-120"/>
-              </a:rPr>
-              <a:t>被火煉  被潔淨</a:t>
-            </a:r>
-            <a:endParaRPr lang="en-US" altLang="zh-TW" sz="5400" b="1" dirty="0">
+              <a:rPr lang="zh-TW" altLang="en-US" sz="6400" b="1" dirty="0">
+                <a:solidFill>
+                  <a:srgbClr val="000066"/>
+                </a:solidFill>
+                <a:latin typeface="Microsoft JhengHei" panose="020B0604030504040204" pitchFamily="34" charset="-120"/>
+                <a:ea typeface="Microsoft JhengHei" panose="020B0604030504040204" pitchFamily="34" charset="-120"/>
+              </a:rPr>
+              <a:t>只要祭物是來自我心靈</a:t>
+            </a:r>
+            <a:endParaRPr lang="en-US" altLang="zh-TW" sz="6400" b="1" dirty="0">
+              <a:solidFill>
+                <a:srgbClr val="000066"/>
+              </a:solidFill>
               <a:latin typeface="Microsoft JhengHei" panose="020B0604030504040204" pitchFamily="34" charset="-120"/>
               <a:ea typeface="Microsoft JhengHei" panose="020B0604030504040204" pitchFamily="34" charset="-120"/>
             </a:endParaRPr>
@@ -3740,55 +3775,777 @@
               <a:buNone/>
             </a:pPr>
             <a:r>
-              <a:rPr lang="zh-TW" altLang="en-US" sz="5400" b="1" dirty="0" smtClean="0">
-                <a:latin typeface="Microsoft JhengHei" panose="020B0604030504040204" pitchFamily="34" charset="-120"/>
-                <a:ea typeface="Microsoft JhengHei" panose="020B0604030504040204" pitchFamily="34" charset="-120"/>
-              </a:rPr>
-              <a:t>按</a:t>
-            </a:r>
-            <a:r>
-              <a:rPr lang="zh-CN" altLang="en-US" sz="5400" b="1" dirty="0">
+              <a:rPr lang="zh-TW" altLang="en-US" sz="6400" b="1" dirty="0">
+                <a:solidFill>
+                  <a:srgbClr val="000066"/>
+                </a:solidFill>
+                <a:latin typeface="Microsoft JhengHei" panose="020B0604030504040204" pitchFamily="34" charset="-120"/>
+                <a:ea typeface="Microsoft JhengHei" panose="020B0604030504040204" pitchFamily="34" charset="-120"/>
+              </a:rPr>
+              <a:t>主</a:t>
+            </a:r>
+            <a:r>
+              <a:rPr lang="zh-CN" altLang="en-US" sz="6400" b="1" dirty="0">
+                <a:solidFill>
+                  <a:srgbClr val="000066"/>
+                </a:solidFill>
                 <a:latin typeface="Microsoft JhengHei" panose="020B0604030504040204" pitchFamily="34" charset="-120"/>
                 <a:ea typeface="Microsoft JhengHei" panose="020B0604030504040204" pitchFamily="34" charset="-120"/>
               </a:rPr>
               <a:t>袮</a:t>
             </a:r>
             <a:r>
-              <a:rPr lang="zh-TW" altLang="en-US" sz="5400" b="1" dirty="0" smtClean="0">
-                <a:latin typeface="Microsoft JhengHei" panose="020B0604030504040204" pitchFamily="34" charset="-120"/>
-                <a:ea typeface="Microsoft JhengHei" panose="020B0604030504040204" pitchFamily="34" charset="-120"/>
-              </a:rPr>
-              <a:t>所</a:t>
-            </a:r>
-            <a:r>
-              <a:rPr lang="zh-TW" altLang="en-US" sz="5400" b="1" dirty="0">
-                <a:latin typeface="Microsoft JhengHei" panose="020B0604030504040204" pitchFamily="34" charset="-120"/>
-                <a:ea typeface="Microsoft JhengHei" panose="020B0604030504040204" pitchFamily="34" charset="-120"/>
-              </a:rPr>
-              <a:t>是的敬</a:t>
-            </a:r>
-            <a:r>
-              <a:rPr lang="zh-TW" altLang="en-US" sz="5400" b="1" dirty="0" smtClean="0">
-                <a:latin typeface="Microsoft JhengHei" panose="020B0604030504040204" pitchFamily="34" charset="-120"/>
-                <a:ea typeface="Microsoft JhengHei" panose="020B0604030504040204" pitchFamily="34" charset="-120"/>
-              </a:rPr>
-              <a:t>拜</a:t>
-            </a:r>
-            <a:r>
-              <a:rPr lang="zh-CN" altLang="en-US" sz="5400" b="1" dirty="0">
-                <a:latin typeface="Microsoft JhengHei" panose="020B0604030504040204" pitchFamily="34" charset="-120"/>
-                <a:ea typeface="Microsoft JhengHei" panose="020B0604030504040204" pitchFamily="34" charset="-120"/>
-              </a:rPr>
-              <a:t>袮</a:t>
-            </a:r>
-            <a:endParaRPr lang="en-US" altLang="zh-TW" sz="5400" b="1" dirty="0">
+              <a:rPr lang="zh-TW" altLang="en-US" sz="6400" b="1" dirty="0">
+                <a:solidFill>
+                  <a:srgbClr val="000066"/>
+                </a:solidFill>
+                <a:latin typeface="Microsoft JhengHei" panose="020B0604030504040204" pitchFamily="34" charset="-120"/>
+                <a:ea typeface="Microsoft JhengHei" panose="020B0604030504040204" pitchFamily="34" charset="-120"/>
+              </a:rPr>
+              <a:t>就悅納</a:t>
+            </a:r>
+            <a:endParaRPr lang="en-US" altLang="zh-TW" sz="6400" b="1" dirty="0">
+              <a:solidFill>
+                <a:srgbClr val="000066"/>
+              </a:solidFill>
               <a:latin typeface="Microsoft JhengHei" panose="020B0604030504040204" pitchFamily="34" charset="-120"/>
               <a:ea typeface="Microsoft JhengHei" panose="020B0604030504040204" pitchFamily="34" charset="-120"/>
             </a:endParaRPr>
           </a:p>
         </p:txBody>
       </p:sp>
+      <p:sp>
+        <p:nvSpPr>
+          <p:cNvPr id="3" name="TextBox 2"/>
+          <p:cNvSpPr txBox="1"/>
+          <p:nvPr/>
+        </p:nvSpPr>
+        <p:spPr>
+          <a:xfrm>
+            <a:off x="0" y="5157192"/>
+            <a:ext cx="12192000" cy="748988"/>
+          </a:xfrm>
+          <a:prstGeom prst="rect">
+            <a:avLst/>
+          </a:prstGeom>
+          <a:noFill/>
+        </p:spPr>
+        <p:txBody>
+          <a:bodyPr wrap="square" rtlCol="0">
+            <a:spAutoFit/>
+          </a:bodyPr>
+          <a:lstStyle/>
+          <a:p>
+            <a:pPr algn="ctr"/>
+            <a:r>
+              <a:rPr lang="en-US" sz="4267" b="1" dirty="0">
+                <a:solidFill>
+                  <a:srgbClr val="000066"/>
+                </a:solidFill>
+                <a:latin typeface="Microsoft JhengHei" panose="020B0604030504040204" pitchFamily="34" charset="-120"/>
+                <a:ea typeface="Microsoft JhengHei" panose="020B0604030504040204" pitchFamily="34" charset="-120"/>
+              </a:rPr>
+              <a:t>( </a:t>
+            </a:r>
+            <a:r>
+              <a:rPr lang="zh-CN" altLang="en-US" sz="4267" b="1" dirty="0">
+                <a:solidFill>
+                  <a:srgbClr val="000066"/>
+                </a:solidFill>
+                <a:latin typeface="Microsoft JhengHei" panose="020B0604030504040204" pitchFamily="34" charset="-120"/>
+                <a:ea typeface="Microsoft JhengHei" panose="020B0604030504040204" pitchFamily="34" charset="-120"/>
+              </a:rPr>
+              <a:t>副</a:t>
+            </a:r>
+            <a:r>
+              <a:rPr lang="en-US" sz="4267" b="1" dirty="0">
+                <a:solidFill>
+                  <a:srgbClr val="000066"/>
+                </a:solidFill>
+                <a:latin typeface="Microsoft JhengHei" panose="020B0604030504040204" pitchFamily="34" charset="-120"/>
+                <a:ea typeface="Microsoft JhengHei" panose="020B0604030504040204" pitchFamily="34" charset="-120"/>
+              </a:rPr>
+              <a:t> )</a:t>
+            </a:r>
+            <a:endParaRPr lang="vi-VN" sz="4267" b="1" dirty="0">
+              <a:solidFill>
+                <a:srgbClr val="000066"/>
+              </a:solidFill>
+              <a:ea typeface="Microsoft JhengHei" panose="020B0604030504040204" pitchFamily="34" charset="-120"/>
+            </a:endParaRPr>
+          </a:p>
+        </p:txBody>
+      </p:sp>
     </p:spTree>
+    <p:extLst>
+      <p:ext uri="{BB962C8B-B14F-4D97-AF65-F5344CB8AC3E}">
+        <p14:creationId xmlns:p14="http://schemas.microsoft.com/office/powerpoint/2010/main" val="202880935"/>
+      </p:ext>
+    </p:extLst>
+  </p:cSld>
+  <p:clrMapOvr>
+    <a:masterClrMapping/>
+  </p:clrMapOvr>
+</p:sld>
+</file>
+
+<file path=ppt/slides/slide6.xml><?xml version="1.0" encoding="utf-8"?>
+<p:sld xmlns:a="http://schemas.openxmlformats.org/drawingml/2006/main" xmlns:r="http://schemas.openxmlformats.org/officeDocument/2006/relationships" xmlns:p="http://schemas.openxmlformats.org/presentationml/2006/main">
+  <p:cSld>
+    <p:spTree>
+      <p:nvGrpSpPr>
+        <p:cNvPr id="1" name=""/>
+        <p:cNvGrpSpPr/>
+        <p:nvPr/>
+      </p:nvGrpSpPr>
+      <p:grpSpPr>
+        <a:xfrm>
+          <a:off x="0" y="0"/>
+          <a:ext cx="0" cy="0"/>
+          <a:chOff x="0" y="0"/>
+          <a:chExt cx="0" cy="0"/>
+        </a:xfrm>
+      </p:grpSpPr>
+      <p:sp>
+        <p:nvSpPr>
+          <p:cNvPr id="5" name="內容版面配置區 4"/>
+          <p:cNvSpPr>
+            <a:spLocks noGrp="1"/>
+          </p:cNvSpPr>
+          <p:nvPr>
+            <p:ph idx="1"/>
+          </p:nvPr>
+        </p:nvSpPr>
+        <p:spPr>
+          <a:xfrm>
+            <a:off x="0" y="2084851"/>
+            <a:ext cx="12192000" cy="2404863"/>
+          </a:xfrm>
+        </p:spPr>
+        <p:txBody>
+          <a:bodyPr anchor="ctr">
+            <a:normAutofit/>
+          </a:bodyPr>
+          <a:lstStyle/>
+          <a:p>
+            <a:pPr algn="ctr">
+              <a:buNone/>
+            </a:pPr>
+            <a:r>
+              <a:rPr lang="zh-TW" altLang="en-US" sz="6400" b="1" dirty="0">
+                <a:solidFill>
+                  <a:srgbClr val="000066"/>
+                </a:solidFill>
+                <a:latin typeface="Microsoft JhengHei" panose="020B0604030504040204" pitchFamily="34" charset="-120"/>
+                <a:ea typeface="Microsoft JhengHei" panose="020B0604030504040204" pitchFamily="34" charset="-120"/>
+              </a:rPr>
+              <a:t>無論要付什麼代價</a:t>
+            </a:r>
+            <a:endParaRPr lang="en-US" altLang="zh-TW" sz="6400" b="1" dirty="0">
+              <a:solidFill>
+                <a:srgbClr val="000066"/>
+              </a:solidFill>
+              <a:latin typeface="Microsoft JhengHei" panose="020B0604030504040204" pitchFamily="34" charset="-120"/>
+              <a:ea typeface="Microsoft JhengHei" panose="020B0604030504040204" pitchFamily="34" charset="-120"/>
+            </a:endParaRPr>
+          </a:p>
+          <a:p>
+            <a:pPr algn="ctr">
+              <a:buNone/>
+            </a:pPr>
+            <a:r>
+              <a:rPr lang="zh-TW" altLang="en-US" sz="6400" b="1" dirty="0">
+                <a:solidFill>
+                  <a:srgbClr val="000066"/>
+                </a:solidFill>
+                <a:latin typeface="Microsoft JhengHei" panose="020B0604030504040204" pitchFamily="34" charset="-120"/>
+                <a:ea typeface="Microsoft JhengHei" panose="020B0604030504040204" pitchFamily="34" charset="-120"/>
+              </a:rPr>
+              <a:t>當我再次說我愛</a:t>
+            </a:r>
+            <a:r>
+              <a:rPr lang="zh-CN" altLang="en-US" sz="6400" b="1" dirty="0">
+                <a:solidFill>
+                  <a:srgbClr val="000066"/>
+                </a:solidFill>
+                <a:latin typeface="Microsoft JhengHei" panose="020B0604030504040204" pitchFamily="34" charset="-120"/>
+                <a:ea typeface="Microsoft JhengHei" panose="020B0604030504040204" pitchFamily="34" charset="-120"/>
+              </a:rPr>
+              <a:t>袮</a:t>
+            </a:r>
+            <a:endParaRPr lang="en-US" altLang="zh-TW" sz="6400" b="1" dirty="0">
+              <a:solidFill>
+                <a:srgbClr val="000066"/>
+              </a:solidFill>
+              <a:latin typeface="Microsoft JhengHei" panose="020B0604030504040204" pitchFamily="34" charset="-120"/>
+              <a:ea typeface="Microsoft JhengHei" panose="020B0604030504040204" pitchFamily="34" charset="-120"/>
+            </a:endParaRPr>
+          </a:p>
+        </p:txBody>
+      </p:sp>
+      <p:sp>
+        <p:nvSpPr>
+          <p:cNvPr id="3" name="TextBox 2"/>
+          <p:cNvSpPr txBox="1"/>
+          <p:nvPr/>
+        </p:nvSpPr>
+        <p:spPr>
+          <a:xfrm>
+            <a:off x="0" y="5157192"/>
+            <a:ext cx="12192000" cy="748988"/>
+          </a:xfrm>
+          <a:prstGeom prst="rect">
+            <a:avLst/>
+          </a:prstGeom>
+          <a:noFill/>
+        </p:spPr>
+        <p:txBody>
+          <a:bodyPr wrap="square" rtlCol="0">
+            <a:spAutoFit/>
+          </a:bodyPr>
+          <a:lstStyle/>
+          <a:p>
+            <a:pPr algn="ctr"/>
+            <a:r>
+              <a:rPr lang="en-US" sz="4267" b="1" dirty="0">
+                <a:solidFill>
+                  <a:srgbClr val="000066"/>
+                </a:solidFill>
+                <a:latin typeface="Microsoft JhengHei" panose="020B0604030504040204" pitchFamily="34" charset="-120"/>
+                <a:ea typeface="Microsoft JhengHei" panose="020B0604030504040204" pitchFamily="34" charset="-120"/>
+              </a:rPr>
+              <a:t>( </a:t>
+            </a:r>
+            <a:r>
+              <a:rPr lang="zh-CN" altLang="en-US" sz="4267" b="1" dirty="0">
+                <a:solidFill>
+                  <a:srgbClr val="000066"/>
+                </a:solidFill>
+                <a:latin typeface="Microsoft JhengHei" panose="020B0604030504040204" pitchFamily="34" charset="-120"/>
+                <a:ea typeface="Microsoft JhengHei" panose="020B0604030504040204" pitchFamily="34" charset="-120"/>
+              </a:rPr>
+              <a:t>副</a:t>
+            </a:r>
+            <a:r>
+              <a:rPr lang="en-US" sz="4267" b="1" dirty="0">
+                <a:solidFill>
+                  <a:srgbClr val="000066"/>
+                </a:solidFill>
+                <a:latin typeface="Microsoft JhengHei" panose="020B0604030504040204" pitchFamily="34" charset="-120"/>
+                <a:ea typeface="Microsoft JhengHei" panose="020B0604030504040204" pitchFamily="34" charset="-120"/>
+              </a:rPr>
+              <a:t> )</a:t>
+            </a:r>
+            <a:endParaRPr lang="vi-VN" sz="4267" b="1" dirty="0">
+              <a:solidFill>
+                <a:srgbClr val="000066"/>
+              </a:solidFill>
+              <a:ea typeface="Microsoft JhengHei" panose="020B0604030504040204" pitchFamily="34" charset="-120"/>
+            </a:endParaRPr>
+          </a:p>
+        </p:txBody>
+      </p:sp>
+    </p:spTree>
+    <p:extLst>
+      <p:ext uri="{BB962C8B-B14F-4D97-AF65-F5344CB8AC3E}">
+        <p14:creationId xmlns:p14="http://schemas.microsoft.com/office/powerpoint/2010/main" val="4249027181"/>
+      </p:ext>
+    </p:extLst>
+  </p:cSld>
+  <p:clrMapOvr>
+    <a:masterClrMapping/>
+  </p:clrMapOvr>
+</p:sld>
+</file>
+
+<file path=ppt/slides/slide7.xml><?xml version="1.0" encoding="utf-8"?>
+<p:sld xmlns:a="http://schemas.openxmlformats.org/drawingml/2006/main" xmlns:r="http://schemas.openxmlformats.org/officeDocument/2006/relationships" xmlns:p="http://schemas.openxmlformats.org/presentationml/2006/main">
+  <p:cSld>
+    <p:spTree>
+      <p:nvGrpSpPr>
+        <p:cNvPr id="1" name=""/>
+        <p:cNvGrpSpPr/>
+        <p:nvPr/>
+      </p:nvGrpSpPr>
+      <p:grpSpPr>
+        <a:xfrm>
+          <a:off x="0" y="0"/>
+          <a:ext cx="0" cy="0"/>
+          <a:chOff x="0" y="0"/>
+          <a:chExt cx="0" cy="0"/>
+        </a:xfrm>
+      </p:grpSpPr>
+      <p:sp>
+        <p:nvSpPr>
+          <p:cNvPr id="5" name="內容版面配置區 4"/>
+          <p:cNvSpPr>
+            <a:spLocks noGrp="1"/>
+          </p:cNvSpPr>
+          <p:nvPr>
+            <p:ph idx="1"/>
+          </p:nvPr>
+        </p:nvSpPr>
+        <p:spPr>
+          <a:xfrm>
+            <a:off x="0" y="2084851"/>
+            <a:ext cx="12192000" cy="2404863"/>
+          </a:xfrm>
+        </p:spPr>
+        <p:txBody>
+          <a:bodyPr anchor="ctr">
+            <a:normAutofit/>
+          </a:bodyPr>
+          <a:lstStyle/>
+          <a:p>
+            <a:pPr algn="ctr">
+              <a:buNone/>
+            </a:pPr>
+            <a:r>
+              <a:rPr lang="zh-TW" altLang="en-US" sz="6400" b="1" dirty="0">
+                <a:solidFill>
+                  <a:srgbClr val="000066"/>
+                </a:solidFill>
+                <a:latin typeface="Microsoft JhengHei" panose="020B0604030504040204" pitchFamily="34" charset="-120"/>
+                <a:ea typeface="Microsoft JhengHei" panose="020B0604030504040204" pitchFamily="34" charset="-120"/>
+              </a:rPr>
+              <a:t>我會真誠發自我內心</a:t>
+            </a:r>
+            <a:endParaRPr lang="en-US" altLang="zh-TW" sz="6400" b="1" dirty="0">
+              <a:solidFill>
+                <a:srgbClr val="000066"/>
+              </a:solidFill>
+              <a:latin typeface="Microsoft JhengHei" panose="020B0604030504040204" pitchFamily="34" charset="-120"/>
+              <a:ea typeface="Microsoft JhengHei" panose="020B0604030504040204" pitchFamily="34" charset="-120"/>
+            </a:endParaRPr>
+          </a:p>
+        </p:txBody>
+      </p:sp>
+      <p:sp>
+        <p:nvSpPr>
+          <p:cNvPr id="3" name="TextBox 2"/>
+          <p:cNvSpPr txBox="1"/>
+          <p:nvPr/>
+        </p:nvSpPr>
+        <p:spPr>
+          <a:xfrm>
+            <a:off x="0" y="5157192"/>
+            <a:ext cx="12192000" cy="748988"/>
+          </a:xfrm>
+          <a:prstGeom prst="rect">
+            <a:avLst/>
+          </a:prstGeom>
+          <a:noFill/>
+        </p:spPr>
+        <p:txBody>
+          <a:bodyPr wrap="square" rtlCol="0">
+            <a:spAutoFit/>
+          </a:bodyPr>
+          <a:lstStyle/>
+          <a:p>
+            <a:pPr algn="ctr"/>
+            <a:r>
+              <a:rPr lang="en-US" sz="4267" b="1" dirty="0">
+                <a:solidFill>
+                  <a:srgbClr val="000066"/>
+                </a:solidFill>
+                <a:latin typeface="Microsoft JhengHei" panose="020B0604030504040204" pitchFamily="34" charset="-120"/>
+                <a:ea typeface="Microsoft JhengHei" panose="020B0604030504040204" pitchFamily="34" charset="-120"/>
+              </a:rPr>
+              <a:t>( </a:t>
+            </a:r>
+            <a:r>
+              <a:rPr lang="zh-CN" altLang="en-US" sz="4267" b="1" dirty="0">
+                <a:solidFill>
+                  <a:srgbClr val="000066"/>
+                </a:solidFill>
+                <a:latin typeface="Microsoft JhengHei" panose="020B0604030504040204" pitchFamily="34" charset="-120"/>
+                <a:ea typeface="Microsoft JhengHei" panose="020B0604030504040204" pitchFamily="34" charset="-120"/>
+              </a:rPr>
+              <a:t>副</a:t>
+            </a:r>
+            <a:r>
+              <a:rPr lang="en-US" sz="4267" b="1" dirty="0">
+                <a:solidFill>
+                  <a:srgbClr val="000066"/>
+                </a:solidFill>
+                <a:latin typeface="Microsoft JhengHei" panose="020B0604030504040204" pitchFamily="34" charset="-120"/>
+                <a:ea typeface="Microsoft JhengHei" panose="020B0604030504040204" pitchFamily="34" charset="-120"/>
+              </a:rPr>
+              <a:t> )</a:t>
+            </a:r>
+            <a:endParaRPr lang="vi-VN" sz="4267" b="1" dirty="0">
+              <a:solidFill>
+                <a:srgbClr val="000066"/>
+              </a:solidFill>
+              <a:ea typeface="Microsoft JhengHei" panose="020B0604030504040204" pitchFamily="34" charset="-120"/>
+            </a:endParaRPr>
+          </a:p>
+        </p:txBody>
+      </p:sp>
+    </p:spTree>
+    <p:extLst>
+      <p:ext uri="{BB962C8B-B14F-4D97-AF65-F5344CB8AC3E}">
+        <p14:creationId xmlns:p14="http://schemas.microsoft.com/office/powerpoint/2010/main" val="485076985"/>
+      </p:ext>
+    </p:extLst>
+  </p:cSld>
+  <p:clrMapOvr>
+    <a:masterClrMapping/>
+  </p:clrMapOvr>
+</p:sld>
+</file>
+
+<file path=ppt/slides/slide8.xml><?xml version="1.0" encoding="utf-8"?>
+<p:sld xmlns:a="http://schemas.openxmlformats.org/drawingml/2006/main" xmlns:r="http://schemas.openxmlformats.org/officeDocument/2006/relationships" xmlns:p="http://schemas.openxmlformats.org/presentationml/2006/main">
+  <p:cSld>
+    <p:spTree>
+      <p:nvGrpSpPr>
+        <p:cNvPr id="1" name=""/>
+        <p:cNvGrpSpPr/>
+        <p:nvPr/>
+      </p:nvGrpSpPr>
+      <p:grpSpPr>
+        <a:xfrm>
+          <a:off x="0" y="0"/>
+          <a:ext cx="0" cy="0"/>
+          <a:chOff x="0" y="0"/>
+          <a:chExt cx="0" cy="0"/>
+        </a:xfrm>
+      </p:grpSpPr>
+      <p:sp>
+        <p:nvSpPr>
+          <p:cNvPr id="5" name="內容版面配置區 4"/>
+          <p:cNvSpPr>
+            <a:spLocks noGrp="1"/>
+          </p:cNvSpPr>
+          <p:nvPr>
+            <p:ph idx="1"/>
+          </p:nvPr>
+        </p:nvSpPr>
+        <p:spPr>
+          <a:xfrm>
+            <a:off x="0" y="2084851"/>
+            <a:ext cx="12192000" cy="2404863"/>
+          </a:xfrm>
+        </p:spPr>
+        <p:txBody>
+          <a:bodyPr anchor="ctr">
+            <a:normAutofit/>
+          </a:bodyPr>
+          <a:lstStyle/>
+          <a:p>
+            <a:pPr algn="ctr">
+              <a:buNone/>
+            </a:pPr>
+            <a:r>
+              <a:rPr lang="zh-TW" altLang="en-US" sz="6400" b="1" dirty="0">
+                <a:solidFill>
+                  <a:srgbClr val="000066"/>
+                </a:solidFill>
+                <a:latin typeface="Microsoft JhengHei" panose="020B0604030504040204" pitchFamily="34" charset="-120"/>
+                <a:ea typeface="Microsoft JhengHei" panose="020B0604030504040204" pitchFamily="34" charset="-120"/>
+              </a:rPr>
+              <a:t>心與心  心與</a:t>
+            </a:r>
+            <a:r>
+              <a:rPr lang="zh-TW" altLang="en-US" sz="6400" b="1" dirty="0">
+                <a:solidFill>
+                  <a:srgbClr val="000066"/>
+                </a:solidFill>
+                <a:latin typeface="Microsoft JhengHei" panose="020B0604030504040204" pitchFamily="34" charset="-120"/>
+                <a:ea typeface="Microsoft JhengHei" panose="020B0604030504040204" pitchFamily="34" charset="-120"/>
+              </a:rPr>
+              <a:t>心</a:t>
+            </a:r>
+            <a:endParaRPr lang="en-US" altLang="zh-TW" sz="6400" b="1" dirty="0">
+              <a:solidFill>
+                <a:srgbClr val="000066"/>
+              </a:solidFill>
+              <a:latin typeface="Microsoft JhengHei" panose="020B0604030504040204" pitchFamily="34" charset="-120"/>
+              <a:ea typeface="Microsoft JhengHei" panose="020B0604030504040204" pitchFamily="34" charset="-120"/>
+            </a:endParaRPr>
+          </a:p>
+          <a:p>
+            <a:pPr algn="ctr">
+              <a:buNone/>
+            </a:pPr>
+            <a:r>
+              <a:rPr lang="zh-TW" altLang="en-US" sz="6400" b="1" dirty="0">
+                <a:solidFill>
+                  <a:srgbClr val="000066"/>
+                </a:solidFill>
+                <a:latin typeface="Microsoft JhengHei" panose="020B0604030504040204" pitchFamily="34" charset="-120"/>
+                <a:ea typeface="Microsoft JhengHei" panose="020B0604030504040204" pitchFamily="34" charset="-120"/>
+              </a:rPr>
+              <a:t>深淵與深淵響應</a:t>
+            </a:r>
+            <a:endParaRPr lang="en-US" altLang="zh-TW" sz="6400" b="1" dirty="0">
+              <a:solidFill>
+                <a:srgbClr val="000066"/>
+              </a:solidFill>
+              <a:latin typeface="Microsoft JhengHei" panose="020B0604030504040204" pitchFamily="34" charset="-120"/>
+              <a:ea typeface="Microsoft JhengHei" panose="020B0604030504040204" pitchFamily="34" charset="-120"/>
+            </a:endParaRPr>
+          </a:p>
+        </p:txBody>
+      </p:sp>
+      <p:sp>
+        <p:nvSpPr>
+          <p:cNvPr id="3" name="TextBox 2"/>
+          <p:cNvSpPr txBox="1"/>
+          <p:nvPr/>
+        </p:nvSpPr>
+        <p:spPr>
+          <a:xfrm>
+            <a:off x="0" y="5157192"/>
+            <a:ext cx="12192000" cy="748988"/>
+          </a:xfrm>
+          <a:prstGeom prst="rect">
+            <a:avLst/>
+          </a:prstGeom>
+          <a:noFill/>
+        </p:spPr>
+        <p:txBody>
+          <a:bodyPr wrap="square" rtlCol="0">
+            <a:spAutoFit/>
+          </a:bodyPr>
+          <a:lstStyle/>
+          <a:p>
+            <a:pPr algn="ctr"/>
+            <a:r>
+              <a:rPr lang="en-US" sz="4267" b="1" dirty="0">
+                <a:solidFill>
+                  <a:srgbClr val="000066"/>
+                </a:solidFill>
+                <a:latin typeface="Microsoft JhengHei" panose="020B0604030504040204" pitchFamily="34" charset="-120"/>
+                <a:ea typeface="Microsoft JhengHei" panose="020B0604030504040204" pitchFamily="34" charset="-120"/>
+              </a:rPr>
+              <a:t>( </a:t>
+            </a:r>
+            <a:r>
+              <a:rPr lang="zh-CN" altLang="en-US" sz="4267" b="1" dirty="0">
+                <a:solidFill>
+                  <a:srgbClr val="000066"/>
+                </a:solidFill>
+                <a:latin typeface="Microsoft JhengHei" panose="020B0604030504040204" pitchFamily="34" charset="-120"/>
+                <a:ea typeface="Microsoft JhengHei" panose="020B0604030504040204" pitchFamily="34" charset="-120"/>
+              </a:rPr>
+              <a:t>橋</a:t>
+            </a:r>
+            <a:r>
+              <a:rPr lang="en-US" sz="4267" b="1" dirty="0">
+                <a:solidFill>
+                  <a:srgbClr val="000066"/>
+                </a:solidFill>
+                <a:latin typeface="Microsoft JhengHei" panose="020B0604030504040204" pitchFamily="34" charset="-120"/>
+                <a:ea typeface="Microsoft JhengHei" panose="020B0604030504040204" pitchFamily="34" charset="-120"/>
+              </a:rPr>
+              <a:t> )</a:t>
+            </a:r>
+            <a:endParaRPr lang="vi-VN" sz="4267" b="1" dirty="0">
+              <a:solidFill>
+                <a:srgbClr val="000066"/>
+              </a:solidFill>
+              <a:ea typeface="Microsoft JhengHei" panose="020B0604030504040204" pitchFamily="34" charset="-120"/>
+            </a:endParaRPr>
+          </a:p>
+        </p:txBody>
+      </p:sp>
+    </p:spTree>
+    <p:extLst>
+      <p:ext uri="{BB962C8B-B14F-4D97-AF65-F5344CB8AC3E}">
+        <p14:creationId xmlns:p14="http://schemas.microsoft.com/office/powerpoint/2010/main" val="2654397788"/>
+      </p:ext>
+    </p:extLst>
+  </p:cSld>
+  <p:clrMapOvr>
+    <a:masterClrMapping/>
+  </p:clrMapOvr>
+</p:sld>
+</file>
+
+<file path=ppt/slides/slide9.xml><?xml version="1.0" encoding="utf-8"?>
+<p:sld xmlns:a="http://schemas.openxmlformats.org/drawingml/2006/main" xmlns:r="http://schemas.openxmlformats.org/officeDocument/2006/relationships" xmlns:p="http://schemas.openxmlformats.org/presentationml/2006/main">
+  <p:cSld>
+    <p:spTree>
+      <p:nvGrpSpPr>
+        <p:cNvPr id="1" name=""/>
+        <p:cNvGrpSpPr/>
+        <p:nvPr/>
+      </p:nvGrpSpPr>
+      <p:grpSpPr>
+        <a:xfrm>
+          <a:off x="0" y="0"/>
+          <a:ext cx="0" cy="0"/>
+          <a:chOff x="0" y="0"/>
+          <a:chExt cx="0" cy="0"/>
+        </a:xfrm>
+      </p:grpSpPr>
+      <p:sp>
+        <p:nvSpPr>
+          <p:cNvPr id="5" name="內容版面配置區 4"/>
+          <p:cNvSpPr>
+            <a:spLocks noGrp="1"/>
+          </p:cNvSpPr>
+          <p:nvPr>
+            <p:ph idx="1"/>
+          </p:nvPr>
+        </p:nvSpPr>
+        <p:spPr>
+          <a:xfrm>
+            <a:off x="0" y="2084851"/>
+            <a:ext cx="12192000" cy="2404863"/>
+          </a:xfrm>
+        </p:spPr>
+        <p:txBody>
+          <a:bodyPr anchor="ctr">
+            <a:normAutofit/>
+          </a:bodyPr>
+          <a:lstStyle/>
+          <a:p>
+            <a:pPr algn="ctr">
+              <a:buNone/>
+            </a:pPr>
+            <a:r>
+              <a:rPr lang="zh-TW" altLang="en-US" sz="6400" b="1" dirty="0">
+                <a:solidFill>
+                  <a:srgbClr val="000066"/>
+                </a:solidFill>
+                <a:latin typeface="Microsoft JhengHei" panose="020B0604030504040204" pitchFamily="34" charset="-120"/>
+                <a:ea typeface="Microsoft JhengHei" panose="020B0604030504040204" pitchFamily="34" charset="-120"/>
+              </a:rPr>
+              <a:t>被火煉  被潔淨</a:t>
+            </a:r>
+            <a:endParaRPr lang="en-US" altLang="zh-TW" sz="6400" b="1" dirty="0">
+              <a:solidFill>
+                <a:srgbClr val="000066"/>
+              </a:solidFill>
+              <a:latin typeface="Microsoft JhengHei" panose="020B0604030504040204" pitchFamily="34" charset="-120"/>
+              <a:ea typeface="Microsoft JhengHei" panose="020B0604030504040204" pitchFamily="34" charset="-120"/>
+            </a:endParaRPr>
+          </a:p>
+          <a:p>
+            <a:pPr algn="ctr">
+              <a:buNone/>
+            </a:pPr>
+            <a:r>
+              <a:rPr lang="zh-TW" altLang="en-US" sz="6400" b="1" dirty="0">
+                <a:solidFill>
+                  <a:srgbClr val="000066"/>
+                </a:solidFill>
+                <a:latin typeface="Microsoft JhengHei" panose="020B0604030504040204" pitchFamily="34" charset="-120"/>
+                <a:ea typeface="Microsoft JhengHei" panose="020B0604030504040204" pitchFamily="34" charset="-120"/>
+              </a:rPr>
+              <a:t>按</a:t>
+            </a:r>
+            <a:r>
+              <a:rPr lang="zh-CN" altLang="en-US" sz="6400" b="1" dirty="0">
+                <a:solidFill>
+                  <a:srgbClr val="000066"/>
+                </a:solidFill>
+                <a:latin typeface="Microsoft JhengHei" panose="020B0604030504040204" pitchFamily="34" charset="-120"/>
+                <a:ea typeface="Microsoft JhengHei" panose="020B0604030504040204" pitchFamily="34" charset="-120"/>
+              </a:rPr>
+              <a:t>袮</a:t>
+            </a:r>
+            <a:r>
+              <a:rPr lang="zh-TW" altLang="en-US" sz="6400" b="1" dirty="0">
+                <a:solidFill>
+                  <a:srgbClr val="000066"/>
+                </a:solidFill>
+                <a:latin typeface="Microsoft JhengHei" panose="020B0604030504040204" pitchFamily="34" charset="-120"/>
+                <a:ea typeface="Microsoft JhengHei" panose="020B0604030504040204" pitchFamily="34" charset="-120"/>
+              </a:rPr>
+              <a:t>所是的敬拜</a:t>
+            </a:r>
+            <a:r>
+              <a:rPr lang="zh-CN" altLang="en-US" sz="6400" b="1" dirty="0">
+                <a:solidFill>
+                  <a:srgbClr val="000066"/>
+                </a:solidFill>
+                <a:latin typeface="Microsoft JhengHei" panose="020B0604030504040204" pitchFamily="34" charset="-120"/>
+                <a:ea typeface="Microsoft JhengHei" panose="020B0604030504040204" pitchFamily="34" charset="-120"/>
+              </a:rPr>
+              <a:t>袮</a:t>
+            </a:r>
+            <a:endParaRPr lang="en-US" altLang="zh-TW" sz="6400" b="1" dirty="0">
+              <a:solidFill>
+                <a:srgbClr val="000066"/>
+              </a:solidFill>
+              <a:latin typeface="Microsoft JhengHei" panose="020B0604030504040204" pitchFamily="34" charset="-120"/>
+              <a:ea typeface="Microsoft JhengHei" panose="020B0604030504040204" pitchFamily="34" charset="-120"/>
+            </a:endParaRPr>
+          </a:p>
+        </p:txBody>
+      </p:sp>
+      <p:sp>
+        <p:nvSpPr>
+          <p:cNvPr id="3" name="TextBox 2"/>
+          <p:cNvSpPr txBox="1"/>
+          <p:nvPr/>
+        </p:nvSpPr>
+        <p:spPr>
+          <a:xfrm>
+            <a:off x="0" y="5157192"/>
+            <a:ext cx="12192000" cy="748988"/>
+          </a:xfrm>
+          <a:prstGeom prst="rect">
+            <a:avLst/>
+          </a:prstGeom>
+          <a:noFill/>
+        </p:spPr>
+        <p:txBody>
+          <a:bodyPr wrap="square" rtlCol="0">
+            <a:spAutoFit/>
+          </a:bodyPr>
+          <a:lstStyle/>
+          <a:p>
+            <a:pPr algn="ctr"/>
+            <a:r>
+              <a:rPr lang="en-US" sz="4267" b="1" dirty="0">
+                <a:solidFill>
+                  <a:srgbClr val="000066"/>
+                </a:solidFill>
+                <a:latin typeface="Microsoft JhengHei" panose="020B0604030504040204" pitchFamily="34" charset="-120"/>
+                <a:ea typeface="Microsoft JhengHei" panose="020B0604030504040204" pitchFamily="34" charset="-120"/>
+              </a:rPr>
+              <a:t>( </a:t>
+            </a:r>
+            <a:r>
+              <a:rPr lang="zh-CN" altLang="en-US" sz="4267" b="1" dirty="0">
+                <a:solidFill>
+                  <a:srgbClr val="000066"/>
+                </a:solidFill>
+                <a:latin typeface="Microsoft JhengHei" panose="020B0604030504040204" pitchFamily="34" charset="-120"/>
+                <a:ea typeface="Microsoft JhengHei" panose="020B0604030504040204" pitchFamily="34" charset="-120"/>
+              </a:rPr>
+              <a:t>橋</a:t>
+            </a:r>
+            <a:r>
+              <a:rPr lang="en-US" sz="4267" b="1" dirty="0">
+                <a:solidFill>
+                  <a:srgbClr val="000066"/>
+                </a:solidFill>
+                <a:latin typeface="Microsoft JhengHei" panose="020B0604030504040204" pitchFamily="34" charset="-120"/>
+                <a:ea typeface="Microsoft JhengHei" panose="020B0604030504040204" pitchFamily="34" charset="-120"/>
+              </a:rPr>
+              <a:t> )</a:t>
+            </a:r>
+            <a:endParaRPr lang="vi-VN" sz="4267" b="1" dirty="0">
+              <a:solidFill>
+                <a:srgbClr val="000066"/>
+              </a:solidFill>
+              <a:ea typeface="Microsoft JhengHei" panose="020B0604030504040204" pitchFamily="34" charset="-120"/>
+            </a:endParaRPr>
+          </a:p>
+        </p:txBody>
+      </p:sp>
+    </p:spTree>
+    <p:extLst>
+      <p:ext uri="{BB962C8B-B14F-4D97-AF65-F5344CB8AC3E}">
+        <p14:creationId xmlns:p14="http://schemas.microsoft.com/office/powerpoint/2010/main" val="4236856797"/>
+      </p:ext>
+    </p:extLst>
   </p:cSld>
   <p:clrMapOvr>
     <a:masterClrMapping/>
